--- a/Dokumente/Präsentationen/Abschlusspräsentation__24_01_2022.pptx
+++ b/Dokumente/Präsentationen/Abschlusspräsentation__24_01_2022.pptx
@@ -5,16 +5,15 @@
     <p:sldMasterId id="2147483660" r:id="rId1"/>
   </p:sldMasterIdLst>
   <p:notesMasterIdLst>
-    <p:notesMasterId r:id="rId9"/>
+    <p:notesMasterId r:id="rId8"/>
   </p:notesMasterIdLst>
   <p:sldIdLst>
     <p:sldId id="256" r:id="rId2"/>
     <p:sldId id="257" r:id="rId3"/>
     <p:sldId id="258" r:id="rId4"/>
     <p:sldId id="264" r:id="rId5"/>
-    <p:sldId id="266" r:id="rId6"/>
-    <p:sldId id="261" r:id="rId7"/>
-    <p:sldId id="262" r:id="rId8"/>
+    <p:sldId id="261" r:id="rId6"/>
+    <p:sldId id="262" r:id="rId7"/>
   </p:sldIdLst>
   <p:sldSz cx="9144000" cy="6858000" type="screen4x3"/>
   <p:notesSz cx="6858000" cy="9144000"/>
@@ -275,7 +274,7 @@
               <a:pPr>
                 <a:defRPr/>
               </a:pPr>
-              <a:t>22.01.2022</a:t>
+              <a:t>23.01.2022</a:t>
             </a:fld>
             <a:endParaRPr lang="de-AT"/>
           </a:p>
@@ -2011,7 +2010,7 @@
               <a:pPr>
                 <a:defRPr/>
               </a:pPr>
-              <a:t>22.01.2022</a:t>
+              <a:t>23.01.2022</a:t>
             </a:fld>
             <a:endParaRPr lang="de-AT"/>
           </a:p>
@@ -2701,7 +2700,7 @@
             </a:pPr>
             <a:r>
               <a:rPr lang="de-AT" altLang="de-DE" dirty="0"/>
-              <a:t>Ein Gerät zu bauen das:</a:t>
+              <a:t>Ziel, ein Gerät zu bauen das:</a:t>
             </a:r>
           </a:p>
           <a:p>
@@ -3119,10 +3118,11 @@
               <a:lnSpc>
                 <a:spcPct val="90000"/>
               </a:lnSpc>
-              <a:buFontTx/>
-              <a:buChar char="-"/>
             </a:pPr>
-            <a:endParaRPr lang="de-AT" altLang="de-DE" sz="1700" dirty="0"/>
+            <a:r>
+              <a:rPr lang="de-AT" altLang="de-DE" sz="1700" dirty="0"/>
+              <a:t>USB-C Adapter</a:t>
+            </a:r>
           </a:p>
           <a:p>
             <a:pPr lvl="1">
@@ -3493,523 +3493,6 @@
       </p:grpSpPr>
       <p:sp>
         <p:nvSpPr>
-          <p:cNvPr id="2" name="Titel 1">
-            <a:extLst>
-              <a:ext uri="{FF2B5EF4-FFF2-40B4-BE49-F238E27FC236}">
-                <a16:creationId xmlns:a16="http://schemas.microsoft.com/office/drawing/2014/main" id="{AC82703A-ADA2-46D1-9527-F87569D382CB}"/>
-              </a:ext>
-            </a:extLst>
-          </p:cNvPr>
-          <p:cNvSpPr>
-            <a:spLocks noGrp="1"/>
-          </p:cNvSpPr>
-          <p:nvPr>
-            <p:ph type="title"/>
-          </p:nvPr>
-        </p:nvSpPr>
-        <p:spPr>
-          <a:xfrm>
-            <a:off x="107504" y="260648"/>
-            <a:ext cx="8229600" cy="1143000"/>
-          </a:xfrm>
-        </p:spPr>
-        <p:txBody>
-          <a:bodyPr/>
-          <a:lstStyle/>
-          <a:p>
-            <a:r>
-              <a:rPr lang="de-DE" i="1" dirty="0">
-                <a:solidFill>
-                  <a:srgbClr val="009999"/>
-                </a:solidFill>
-              </a:rPr>
-              <a:t>Software: RSSI Wert und Distanz</a:t>
-            </a:r>
-          </a:p>
-        </p:txBody>
-      </p:sp>
-      <p:sp>
-        <p:nvSpPr>
-          <p:cNvPr id="5" name="Fußzeilenplatzhalter 4">
-            <a:extLst>
-              <a:ext uri="{FF2B5EF4-FFF2-40B4-BE49-F238E27FC236}">
-                <a16:creationId xmlns:a16="http://schemas.microsoft.com/office/drawing/2014/main" id="{4A44A23E-1AC0-4387-B0D1-39FAA4AC9319}"/>
-              </a:ext>
-            </a:extLst>
-          </p:cNvPr>
-          <p:cNvSpPr>
-            <a:spLocks noGrp="1"/>
-          </p:cNvSpPr>
-          <p:nvPr>
-            <p:ph type="ftr" sz="quarter" idx="10"/>
-          </p:nvPr>
-        </p:nvSpPr>
-        <p:spPr/>
-        <p:txBody>
-          <a:bodyPr/>
-          <a:lstStyle/>
-          <a:p>
-            <a:pPr>
-              <a:defRPr/>
-            </a:pPr>
-            <a:r>
-              <a:rPr lang="de-AT"/>
-              <a:t>©  FH Technikum Wien</a:t>
-            </a:r>
-          </a:p>
-        </p:txBody>
-      </p:sp>
-      <p:sp>
-        <p:nvSpPr>
-          <p:cNvPr id="6" name="Foliennummernplatzhalter 5">
-            <a:extLst>
-              <a:ext uri="{FF2B5EF4-FFF2-40B4-BE49-F238E27FC236}">
-                <a16:creationId xmlns:a16="http://schemas.microsoft.com/office/drawing/2014/main" id="{5D5D3ECC-5042-4980-A7FA-2EFD852C9487}"/>
-              </a:ext>
-            </a:extLst>
-          </p:cNvPr>
-          <p:cNvSpPr>
-            <a:spLocks noGrp="1"/>
-          </p:cNvSpPr>
-          <p:nvPr>
-            <p:ph type="sldNum" sz="quarter" idx="11"/>
-          </p:nvPr>
-        </p:nvSpPr>
-        <p:spPr/>
-        <p:txBody>
-          <a:bodyPr/>
-          <a:lstStyle/>
-          <a:p>
-            <a:fld id="{5E95FC5C-357C-4EF4-B59E-1C71269BD472}" type="slidenum">
-              <a:rPr lang="de-AT" altLang="de-DE" smtClean="0"/>
-              <a:pPr/>
-              <a:t>5</a:t>
-            </a:fld>
-            <a:endParaRPr lang="de-AT" altLang="de-DE"/>
-          </a:p>
-        </p:txBody>
-      </p:sp>
-      <mc:AlternateContent xmlns:mc="http://schemas.openxmlformats.org/markup-compatibility/2006">
-        <mc:Choice xmlns:a14="http://schemas.microsoft.com/office/drawing/2010/main" Requires="a14">
-          <p:sp>
-            <p:nvSpPr>
-              <p:cNvPr id="12" name="Textfeld 11">
-                <a:extLst>
-                  <a:ext uri="{FF2B5EF4-FFF2-40B4-BE49-F238E27FC236}">
-                    <a16:creationId xmlns:a16="http://schemas.microsoft.com/office/drawing/2014/main" id="{5FBAA514-3D78-4023-B134-B78FC4A661E9}"/>
-                  </a:ext>
-                </a:extLst>
-              </p:cNvPr>
-              <p:cNvSpPr txBox="1"/>
-              <p:nvPr/>
-            </p:nvSpPr>
-            <p:spPr>
-              <a:xfrm>
-                <a:off x="1985397" y="2865957"/>
-                <a:ext cx="4572000" cy="502125"/>
-              </a:xfrm>
-              <a:prstGeom prst="rect">
-                <a:avLst/>
-              </a:prstGeom>
-              <a:noFill/>
-            </p:spPr>
-            <p:txBody>
-              <a:bodyPr wrap="square">
-                <a:spAutoFit/>
-              </a:bodyPr>
-              <a:lstStyle/>
-              <a:p>
-                <a:pPr/>
-                <a14:m>
-                  <m:oMathPara xmlns:m="http://schemas.openxmlformats.org/officeDocument/2006/math">
-                    <m:oMathParaPr>
-                      <m:jc m:val="centerGroup"/>
-                    </m:oMathParaPr>
-                    <m:oMath xmlns:m="http://schemas.openxmlformats.org/officeDocument/2006/math">
-                      <m:r>
-                        <a:rPr lang="de-DE" i="1" smtClean="0">
-                          <a:latin typeface="Cambria Math" panose="02040503050406030204" pitchFamily="18" charset="0"/>
-                        </a:rPr>
-                        <m:t>𝐷𝑖𝑠𝑡𝑎𝑛𝑧</m:t>
-                      </m:r>
-                      <m:r>
-                        <a:rPr lang="de-DE" i="0">
-                          <a:latin typeface="Cambria Math" panose="02040503050406030204" pitchFamily="18" charset="0"/>
-                        </a:rPr>
-                        <m:t>= </m:t>
-                      </m:r>
-                      <m:sSup>
-                        <m:sSupPr>
-                          <m:ctrlPr>
-                            <a:rPr lang="de-DE" i="1">
-                              <a:solidFill>
-                                <a:srgbClr val="836967"/>
-                              </a:solidFill>
-                              <a:latin typeface="Cambria Math" panose="02040503050406030204" pitchFamily="18" charset="0"/>
-                            </a:rPr>
-                          </m:ctrlPr>
-                        </m:sSupPr>
-                        <m:e>
-                          <m:r>
-                            <a:rPr lang="de-DE" i="0">
-                              <a:latin typeface="Cambria Math" panose="02040503050406030204" pitchFamily="18" charset="0"/>
-                            </a:rPr>
-                            <m:t>10</m:t>
-                          </m:r>
-                        </m:e>
-                        <m:sup>
-                          <m:d>
-                            <m:dPr>
-                              <m:ctrlPr>
-                                <a:rPr lang="de-DE" i="1">
-                                  <a:latin typeface="Cambria Math" panose="02040503050406030204" pitchFamily="18" charset="0"/>
-                                </a:rPr>
-                              </m:ctrlPr>
-                            </m:dPr>
-                            <m:e>
-                              <m:f>
-                                <m:fPr>
-                                  <m:ctrlPr>
-                                    <a:rPr lang="de-DE" i="1">
-                                      <a:solidFill>
-                                        <a:srgbClr val="836967"/>
-                                      </a:solidFill>
-                                      <a:latin typeface="Cambria Math" panose="02040503050406030204" pitchFamily="18" charset="0"/>
-                                    </a:rPr>
-                                  </m:ctrlPr>
-                                </m:fPr>
-                                <m:num>
-                                  <m:r>
-                                    <a:rPr lang="de-DE" i="1">
-                                      <a:latin typeface="Cambria Math" panose="02040503050406030204" pitchFamily="18" charset="0"/>
-                                    </a:rPr>
-                                    <m:t>𝑇𝑥𝑅</m:t>
-                                  </m:r>
-                                  <m:r>
-                                    <a:rPr lang="de-DE" i="0">
-                                      <a:latin typeface="Cambria Math" panose="02040503050406030204" pitchFamily="18" charset="0"/>
-                                    </a:rPr>
-                                    <m:t>−</m:t>
-                                  </m:r>
-                                  <m:r>
-                                    <a:rPr lang="de-DE" i="1">
-                                      <a:latin typeface="Cambria Math" panose="02040503050406030204" pitchFamily="18" charset="0"/>
-                                    </a:rPr>
-                                    <m:t>𝑅𝑆𝑆𝐼</m:t>
-                                  </m:r>
-                                </m:num>
-                                <m:den>
-                                  <m:r>
-                                    <a:rPr lang="de-DE" i="0">
-                                      <a:latin typeface="Cambria Math" panose="02040503050406030204" pitchFamily="18" charset="0"/>
-                                    </a:rPr>
-                                    <m:t>10∗</m:t>
-                                  </m:r>
-                                  <m:r>
-                                    <a:rPr lang="de-DE" i="1">
-                                      <a:latin typeface="Cambria Math" panose="02040503050406030204" pitchFamily="18" charset="0"/>
-                                    </a:rPr>
-                                    <m:t>𝑁</m:t>
-                                  </m:r>
-                                </m:den>
-                              </m:f>
-                            </m:e>
-                          </m:d>
-                        </m:sup>
-                      </m:sSup>
-                    </m:oMath>
-                  </m:oMathPara>
-                </a14:m>
-                <a:endParaRPr lang="de-DE" dirty="0"/>
-              </a:p>
-            </p:txBody>
-          </p:sp>
-        </mc:Choice>
-        <mc:Fallback>
-          <p:sp>
-            <p:nvSpPr>
-              <p:cNvPr id="12" name="Textfeld 11">
-                <a:extLst>
-                  <a:ext uri="{FF2B5EF4-FFF2-40B4-BE49-F238E27FC236}">
-                    <a16:creationId xmlns:a16="http://schemas.microsoft.com/office/drawing/2014/main" id="{5FBAA514-3D78-4023-B134-B78FC4A661E9}"/>
-                  </a:ext>
-                </a:extLst>
-              </p:cNvPr>
-              <p:cNvSpPr txBox="1">
-                <a:spLocks noRot="1" noChangeAspect="1" noMove="1" noResize="1" noEditPoints="1" noAdjustHandles="1" noChangeArrowheads="1" noChangeShapeType="1" noTextEdit="1"/>
-              </p:cNvSpPr>
-              <p:nvPr/>
-            </p:nvSpPr>
-            <p:spPr>
-              <a:xfrm>
-                <a:off x="1985397" y="2865957"/>
-                <a:ext cx="4572000" cy="502125"/>
-              </a:xfrm>
-              <a:prstGeom prst="rect">
-                <a:avLst/>
-              </a:prstGeom>
-              <a:blipFill>
-                <a:blip r:embed="rId2"/>
-                <a:stretch>
-                  <a:fillRect/>
-                </a:stretch>
-              </a:blipFill>
-            </p:spPr>
-            <p:txBody>
-              <a:bodyPr/>
-              <a:lstStyle/>
-              <a:p>
-                <a:r>
-                  <a:rPr lang="de-DE">
-                    <a:noFill/>
-                  </a:rPr>
-                  <a:t> </a:t>
-                </a:r>
-              </a:p>
-            </p:txBody>
-          </p:sp>
-        </mc:Fallback>
-      </mc:AlternateContent>
-      <p:sp>
-        <p:nvSpPr>
-          <p:cNvPr id="13" name="Textfeld 12">
-            <a:extLst>
-              <a:ext uri="{FF2B5EF4-FFF2-40B4-BE49-F238E27FC236}">
-                <a16:creationId xmlns:a16="http://schemas.microsoft.com/office/drawing/2014/main" id="{146B8EB9-D508-41FE-8597-ED3401A25634}"/>
-              </a:ext>
-            </a:extLst>
-          </p:cNvPr>
-          <p:cNvSpPr txBox="1"/>
-          <p:nvPr/>
-        </p:nvSpPr>
-        <p:spPr>
-          <a:xfrm>
-            <a:off x="529208" y="1439645"/>
-            <a:ext cx="8085584" cy="1588127"/>
-          </a:xfrm>
-          <a:prstGeom prst="rect">
-            <a:avLst/>
-          </a:prstGeom>
-          <a:noFill/>
-        </p:spPr>
-        <p:txBody>
-          <a:bodyPr wrap="square">
-            <a:spAutoFit/>
-          </a:bodyPr>
-          <a:lstStyle/>
-          <a:p>
-            <a:pPr marL="285750" indent="-285750">
-              <a:lnSpc>
-                <a:spcPct val="90000"/>
-              </a:lnSpc>
-              <a:buFont typeface="Arial" panose="020B0604020202020204" pitchFamily="34" charset="0"/>
-              <a:buChar char="•"/>
-            </a:pPr>
-            <a:r>
-              <a:rPr lang="de-AT" altLang="de-DE" sz="1800" dirty="0"/>
-              <a:t>RSSI </a:t>
-            </a:r>
-            <a:r>
-              <a:rPr lang="de-AT" altLang="de-DE" dirty="0"/>
-              <a:t>(</a:t>
-            </a:r>
-            <a:r>
-              <a:rPr lang="de-AT" altLang="de-DE" dirty="0" err="1"/>
-              <a:t>Recieved</a:t>
-            </a:r>
-            <a:r>
-              <a:rPr lang="de-AT" altLang="de-DE" dirty="0"/>
-              <a:t> Signal Strength Indicator) </a:t>
-            </a:r>
-            <a:r>
-              <a:rPr lang="de-AT" altLang="de-DE" sz="1800" dirty="0"/>
-              <a:t>Wert des Objektes mehrmals </a:t>
-            </a:r>
-            <a:r>
-              <a:rPr lang="de-AT" altLang="de-DE" dirty="0"/>
-              <a:t>auslesen</a:t>
-            </a:r>
-          </a:p>
-          <a:p>
-            <a:pPr marL="285750" indent="-285750">
-              <a:lnSpc>
-                <a:spcPct val="90000"/>
-              </a:lnSpc>
-              <a:buFont typeface="Arial" panose="020B0604020202020204" pitchFamily="34" charset="0"/>
-              <a:buChar char="•"/>
-            </a:pPr>
-            <a:r>
-              <a:rPr lang="de-AT" altLang="de-DE" dirty="0"/>
-              <a:t>RSSI Wert mitteln und in Meter umrechnen</a:t>
-            </a:r>
-          </a:p>
-          <a:p>
-            <a:pPr marL="285750" indent="-285750">
-              <a:lnSpc>
-                <a:spcPct val="90000"/>
-              </a:lnSpc>
-              <a:buFont typeface="Arial" panose="020B0604020202020204" pitchFamily="34" charset="0"/>
-              <a:buChar char="•"/>
-            </a:pPr>
-            <a:r>
-              <a:rPr lang="de-AT" altLang="de-DE" dirty="0" err="1"/>
-              <a:t>TxR</a:t>
-            </a:r>
-            <a:r>
-              <a:rPr lang="de-AT" altLang="de-DE" dirty="0"/>
-              <a:t>: Signalstärke bei 1 Meter </a:t>
-            </a:r>
-          </a:p>
-          <a:p>
-            <a:pPr marL="285750" indent="-285750">
-              <a:lnSpc>
-                <a:spcPct val="90000"/>
-              </a:lnSpc>
-              <a:buFont typeface="Arial" panose="020B0604020202020204" pitchFamily="34" charset="0"/>
-              <a:buChar char="•"/>
-            </a:pPr>
-            <a:r>
-              <a:rPr lang="de-AT" altLang="de-DE" dirty="0"/>
-              <a:t>N: Umweltfaktor zwischen 2 und 4</a:t>
-            </a:r>
-          </a:p>
-          <a:p>
-            <a:pPr>
-              <a:lnSpc>
-                <a:spcPct val="90000"/>
-              </a:lnSpc>
-              <a:buFontTx/>
-              <a:buChar char="-"/>
-            </a:pPr>
-            <a:endParaRPr lang="de-AT" altLang="de-DE" sz="1800" dirty="0"/>
-          </a:p>
-          <a:p>
-            <a:pPr>
-              <a:lnSpc>
-                <a:spcPct val="90000"/>
-              </a:lnSpc>
-              <a:buFontTx/>
-              <a:buChar char="-"/>
-            </a:pPr>
-            <a:endParaRPr lang="de-AT" altLang="de-DE" sz="1800" dirty="0"/>
-          </a:p>
-        </p:txBody>
-      </p:sp>
-      <p:sp>
-        <p:nvSpPr>
-          <p:cNvPr id="9" name="Textfeld 8">
-            <a:extLst>
-              <a:ext uri="{FF2B5EF4-FFF2-40B4-BE49-F238E27FC236}">
-                <a16:creationId xmlns:a16="http://schemas.microsoft.com/office/drawing/2014/main" id="{059A040A-8BFA-4370-9A67-4DBDA088DFDE}"/>
-              </a:ext>
-            </a:extLst>
-          </p:cNvPr>
-          <p:cNvSpPr txBox="1"/>
-          <p:nvPr/>
-        </p:nvSpPr>
-        <p:spPr>
-          <a:xfrm>
-            <a:off x="517397" y="4048844"/>
-            <a:ext cx="8085584" cy="1338828"/>
-          </a:xfrm>
-          <a:prstGeom prst="rect">
-            <a:avLst/>
-          </a:prstGeom>
-          <a:noFill/>
-        </p:spPr>
-        <p:txBody>
-          <a:bodyPr wrap="square">
-            <a:spAutoFit/>
-          </a:bodyPr>
-          <a:lstStyle/>
-          <a:p>
-            <a:pPr>
-              <a:lnSpc>
-                <a:spcPct val="90000"/>
-              </a:lnSpc>
-            </a:pPr>
-            <a:endParaRPr lang="de-AT" altLang="de-DE" dirty="0"/>
-          </a:p>
-          <a:p>
-            <a:pPr marL="285750" indent="-285750">
-              <a:lnSpc>
-                <a:spcPct val="90000"/>
-              </a:lnSpc>
-              <a:buFont typeface="Arial" panose="020B0604020202020204" pitchFamily="34" charset="0"/>
-              <a:buChar char="•"/>
-            </a:pPr>
-            <a:r>
-              <a:rPr lang="de-AT" altLang="de-DE" dirty="0"/>
-              <a:t>Pro Meter ein Ton</a:t>
-            </a:r>
-          </a:p>
-          <a:p>
-            <a:pPr marL="285750" indent="-285750">
-              <a:lnSpc>
-                <a:spcPct val="90000"/>
-              </a:lnSpc>
-              <a:buFont typeface="Arial" panose="020B0604020202020204" pitchFamily="34" charset="0"/>
-              <a:buChar char="•"/>
-            </a:pPr>
-            <a:r>
-              <a:rPr lang="de-AT" altLang="de-DE" dirty="0"/>
-              <a:t>Melodie für An/Aus sowie Suchen und Gefunden</a:t>
-            </a:r>
-          </a:p>
-          <a:p>
-            <a:pPr>
-              <a:lnSpc>
-                <a:spcPct val="90000"/>
-              </a:lnSpc>
-              <a:buFontTx/>
-              <a:buChar char="-"/>
-            </a:pPr>
-            <a:endParaRPr lang="de-AT" altLang="de-DE" sz="1800" dirty="0"/>
-          </a:p>
-          <a:p>
-            <a:pPr>
-              <a:lnSpc>
-                <a:spcPct val="90000"/>
-              </a:lnSpc>
-              <a:buFontTx/>
-              <a:buChar char="-"/>
-            </a:pPr>
-            <a:endParaRPr lang="de-AT" altLang="de-DE" sz="1800" dirty="0"/>
-          </a:p>
-        </p:txBody>
-      </p:sp>
-    </p:spTree>
-    <p:extLst>
-      <p:ext uri="{BB962C8B-B14F-4D97-AF65-F5344CB8AC3E}">
-        <p14:creationId xmlns:p14="http://schemas.microsoft.com/office/powerpoint/2010/main" val="2359735940"/>
-      </p:ext>
-    </p:extLst>
-  </p:cSld>
-  <p:clrMapOvr>
-    <a:masterClrMapping/>
-  </p:clrMapOvr>
-</p:sld>
-</file>
-
-<file path=ppt/slides/slide6.xml><?xml version="1.0" encoding="utf-8"?>
-<p:sld xmlns:a="http://schemas.openxmlformats.org/drawingml/2006/main" xmlns:r="http://schemas.openxmlformats.org/officeDocument/2006/relationships" xmlns:p="http://schemas.openxmlformats.org/presentationml/2006/main">
-  <p:cSld>
-    <p:spTree>
-      <p:nvGrpSpPr>
-        <p:cNvPr id="1" name=""/>
-        <p:cNvGrpSpPr/>
-        <p:nvPr/>
-      </p:nvGrpSpPr>
-      <p:grpSpPr>
-        <a:xfrm>
-          <a:off x="0" y="0"/>
-          <a:ext cx="0" cy="0"/>
-          <a:chOff x="0" y="0"/>
-          <a:chExt cx="0" cy="0"/>
-        </a:xfrm>
-      </p:grpSpPr>
-      <p:sp>
-        <p:nvSpPr>
           <p:cNvPr id="12290" name="Titel 1">
             <a:extLst>
               <a:ext uri="{FF2B5EF4-FFF2-40B4-BE49-F238E27FC236}">
@@ -4246,7 +3729,7 @@
                 </a:solidFill>
               </a:rPr>
               <a:pPr/>
-              <a:t>6</a:t>
+              <a:t>5</a:t>
             </a:fld>
             <a:endParaRPr lang="de-AT" altLang="de-DE">
               <a:solidFill>
@@ -4384,7 +3867,7 @@
         </p:blipFill>
         <p:spPr>
           <a:xfrm>
-            <a:off x="-67798" y="4545834"/>
+            <a:off x="-12457" y="4548898"/>
             <a:ext cx="9144000" cy="214146"/>
           </a:xfrm>
           <a:prstGeom prst="rect">
@@ -4467,7 +3950,7 @@
 </p:sld>
 </file>
 
-<file path=ppt/slides/slide7.xml><?xml version="1.0" encoding="utf-8"?>
+<file path=ppt/slides/slide6.xml><?xml version="1.0" encoding="utf-8"?>
 <p:sld xmlns:a="http://schemas.openxmlformats.org/drawingml/2006/main" xmlns:r="http://schemas.openxmlformats.org/officeDocument/2006/relationships" xmlns:p="http://schemas.openxmlformats.org/presentationml/2006/main">
   <p:cSld>
     <p:spTree>
@@ -4544,7 +4027,7 @@
           <a:p>
             <a:r>
               <a:rPr lang="de-AT" altLang="de-DE" dirty="0"/>
-              <a:t>Grundfunktionen (RSSI auslesen, Tonausgabe, Buttoninput) funktionieren</a:t>
+              <a:t>Grundfunktionen (RSSI auslesen und Distanzberechnung, Tonausgabe, Buttoninput) funktionieren</a:t>
             </a:r>
           </a:p>
           <a:p>
@@ -4743,7 +4226,7 @@
                 </a:solidFill>
               </a:rPr>
               <a:pPr/>
-              <a:t>7</a:t>
+              <a:t>6</a:t>
             </a:fld>
             <a:endParaRPr lang="de-AT" altLang="de-DE">
               <a:solidFill>
